--- a/cvicenie_7/Lepsi_a_zdravsi_zivotný_stýl_vdaka_gamifikacii_Loch_121197.pptx
+++ b/cvicenie_7/Lepsi_a_zdravsi_zivotný_stýl_vdaka_gamifikacii_Loch_121197.pptx
@@ -113,6 +113,14 @@
       </a:defRPr>
     </a:lvl9pPr>
   </p:defaultTextStyle>
+  <p:extLst>
+    <p:ext uri="{EFAFB233-063F-42B5-8137-9DF3F51BA10A}">
+      <p15:sldGuideLst xmlns:p15="http://schemas.microsoft.com/office/powerpoint/2012/main"/>
+    </p:ext>
+    <p:ext uri="{2D200454-40CA-4A62-9FC3-DE9A4176ACB9}">
+      <p15:notesGuideLst xmlns:p15="http://schemas.microsoft.com/office/powerpoint/2012/main"/>
+    </p:ext>
+  </p:extLst>
 </p:presentation>
 </file>
 
@@ -5037,6 +5045,69 @@
           </a:p>
         </p:txBody>
       </p:sp>
+      <p:graphicFrame>
+        <p:nvGraphicFramePr>
+          <p:cNvPr id="8" name="Objekt 7">
+            <a:extLst>
+              <a:ext uri="{FF2B5EF4-FFF2-40B4-BE49-F238E27FC236}">
+                <a16:creationId xmlns:a16="http://schemas.microsoft.com/office/drawing/2014/main" id="{6EB961BE-5EB4-5A09-2C75-A3D0FF58BEB1}"/>
+              </a:ext>
+            </a:extLst>
+          </p:cNvPr>
+          <p:cNvGraphicFramePr>
+            <a:graphicFrameLocks noChangeAspect="1"/>
+          </p:cNvGraphicFramePr>
+          <p:nvPr>
+            <p:extLst>
+              <p:ext uri="{D42A27DB-BD31-4B8C-83A1-F6EECF244321}">
+                <p14:modId xmlns:p14="http://schemas.microsoft.com/office/powerpoint/2010/main" val="2139290172"/>
+              </p:ext>
+            </p:extLst>
+          </p:nvPr>
+        </p:nvGraphicFramePr>
+        <p:xfrm>
+          <a:off x="1704736" y="2020289"/>
+          <a:ext cx="4988950" cy="3230322"/>
+        </p:xfrm>
+        <a:graphic>
+          <a:graphicData uri="http://schemas.openxmlformats.org/presentationml/2006/ole">
+            <mc:AlternateContent xmlns:mc="http://schemas.openxmlformats.org/markup-compatibility/2006">
+              <mc:Choice xmlns:v="urn:schemas-microsoft-com:vml" Requires="v">
+                <p:oleObj name="Worksheet" r:id="rId2" imgW="3422634" imgH="2216277" progId="Excel.Sheet.12">
+                  <p:embed/>
+                </p:oleObj>
+              </mc:Choice>
+              <mc:Fallback>
+                <p:oleObj name="Worksheet" r:id="rId2" imgW="3422634" imgH="2216277" progId="Excel.Sheet.12">
+                  <p:embed/>
+                  <p:pic>
+                    <p:nvPicPr>
+                      <p:cNvPr id="0" name=""/>
+                      <p:cNvPicPr/>
+                      <p:nvPr/>
+                    </p:nvPicPr>
+                    <p:blipFill>
+                      <a:blip r:embed="rId3"/>
+                      <a:stretch>
+                        <a:fillRect/>
+                      </a:stretch>
+                    </p:blipFill>
+                    <p:spPr>
+                      <a:xfrm>
+                        <a:off x="1704736" y="2020289"/>
+                        <a:ext cx="4988950" cy="3230322"/>
+                      </a:xfrm>
+                      <a:prstGeom prst="rect">
+                        <a:avLst/>
+                      </a:prstGeom>
+                    </p:spPr>
+                  </p:pic>
+                </p:oleObj>
+              </mc:Fallback>
+            </mc:AlternateContent>
+          </a:graphicData>
+        </a:graphic>
+      </p:graphicFrame>
     </p:spTree>
     <p:extLst>
       <p:ext uri="{BB962C8B-B14F-4D97-AF65-F5344CB8AC3E}">

--- a/cvicenie_7/Lepsi_a_zdravsi_zivotný_stýl_vdaka_gamifikacii_Loch_121197.pptx
+++ b/cvicenie_7/Lepsi_a_zdravsi_zivotný_stýl_vdaka_gamifikacii_Loch_121197.pptx
@@ -122,6 +122,978 @@
     </p:ext>
   </p:extLst>
 </p:presentation>
+</file>
+
+<file path=ppt/charts/chart1.xml><?xml version="1.0" encoding="utf-8"?>
+<c:chartSpace xmlns:c="http://schemas.openxmlformats.org/drawingml/2006/chart" xmlns:a="http://schemas.openxmlformats.org/drawingml/2006/main" xmlns:r="http://schemas.openxmlformats.org/officeDocument/2006/relationships" xmlns:c16r2="http://schemas.microsoft.com/office/drawing/2015/06/chart">
+  <c:date1904 val="0"/>
+  <c:lang val="sk-SK"/>
+  <c:roundedCorners val="0"/>
+  <mc:AlternateContent xmlns:mc="http://schemas.openxmlformats.org/markup-compatibility/2006">
+    <mc:Choice xmlns:c14="http://schemas.microsoft.com/office/drawing/2007/8/2/chart" Requires="c14">
+      <c14:style val="102"/>
+    </mc:Choice>
+    <mc:Fallback>
+      <c:style val="2"/>
+    </mc:Fallback>
+  </mc:AlternateContent>
+  <c:chart>
+    <c:title>
+      <c:overlay val="0"/>
+      <c:spPr>
+        <a:noFill/>
+        <a:ln>
+          <a:noFill/>
+        </a:ln>
+        <a:effectLst/>
+      </c:spPr>
+      <c:txPr>
+        <a:bodyPr rot="0" spcFirstLastPara="1" vertOverflow="ellipsis" vert="horz" wrap="square" anchor="ctr" anchorCtr="1"/>
+        <a:lstStyle/>
+        <a:p>
+          <a:pPr>
+            <a:defRPr sz="1400" b="0" i="0" u="none" strike="noStrike" kern="1200" spc="0" baseline="0">
+              <a:solidFill>
+                <a:schemeClr val="tx1">
+                  <a:lumMod val="65000"/>
+                  <a:lumOff val="35000"/>
+                </a:schemeClr>
+              </a:solidFill>
+              <a:latin typeface="+mn-lt"/>
+              <a:ea typeface="+mn-ea"/>
+              <a:cs typeface="+mn-cs"/>
+            </a:defRPr>
+          </a:pPr>
+          <a:endParaRPr lang="sk-SK"/>
+        </a:p>
+      </c:txPr>
+    </c:title>
+    <c:autoTitleDeleted val="0"/>
+    <c:plotArea>
+      <c:layout>
+        <c:manualLayout>
+          <c:layoutTarget val="inner"/>
+          <c:xMode val="edge"/>
+          <c:yMode val="edge"/>
+          <c:x val="0.22223446225415949"/>
+          <c:y val="0.14640748279695057"/>
+          <c:w val="0.71853171478565181"/>
+          <c:h val="0.72088764946048411"/>
+        </c:manualLayout>
+      </c:layout>
+      <c:barChart>
+        <c:barDir val="bar"/>
+        <c:grouping val="clustered"/>
+        <c:varyColors val="0"/>
+        <c:ser>
+          <c:idx val="0"/>
+          <c:order val="0"/>
+          <c:tx>
+            <c:strRef>
+              <c:f>Sheet1!$D$2</c:f>
+              <c:strCache>
+                <c:ptCount val="1"/>
+                <c:pt idx="0">
+                  <c:v>Number of users</c:v>
+                </c:pt>
+              </c:strCache>
+            </c:strRef>
+          </c:tx>
+          <c:spPr>
+            <a:solidFill>
+              <a:schemeClr val="accent1"/>
+            </a:solidFill>
+            <a:ln>
+              <a:noFill/>
+            </a:ln>
+            <a:effectLst/>
+          </c:spPr>
+          <c:invertIfNegative val="0"/>
+          <c:dLbls>
+            <c:spPr>
+              <a:noFill/>
+              <a:ln>
+                <a:noFill/>
+              </a:ln>
+              <a:effectLst/>
+            </c:spPr>
+            <c:txPr>
+              <a:bodyPr rot="0" spcFirstLastPara="1" vertOverflow="ellipsis" vert="horz" wrap="square" lIns="38100" tIns="19050" rIns="38100" bIns="19050" anchor="ctr" anchorCtr="1">
+                <a:spAutoFit/>
+              </a:bodyPr>
+              <a:lstStyle/>
+              <a:p>
+                <a:pPr>
+                  <a:defRPr sz="900" b="0" i="0" u="none" strike="noStrike" kern="1200" baseline="0">
+                    <a:solidFill>
+                      <a:schemeClr val="tx1">
+                        <a:lumMod val="75000"/>
+                        <a:lumOff val="25000"/>
+                      </a:schemeClr>
+                    </a:solidFill>
+                    <a:latin typeface="+mn-lt"/>
+                    <a:ea typeface="+mn-ea"/>
+                    <a:cs typeface="+mn-cs"/>
+                  </a:defRPr>
+                </a:pPr>
+                <a:endParaRPr lang="sk-SK"/>
+              </a:p>
+            </c:txPr>
+            <c:dLblPos val="outEnd"/>
+            <c:showLegendKey val="0"/>
+            <c:showVal val="1"/>
+            <c:showCatName val="0"/>
+            <c:showSerName val="0"/>
+            <c:showPercent val="0"/>
+            <c:showBubbleSize val="0"/>
+            <c:showLeaderLines val="0"/>
+            <c:extLst>
+              <c:ext xmlns:c15="http://schemas.microsoft.com/office/drawing/2012/chart" uri="{CE6537A1-D6FC-4f65-9D91-7224C49458BB}">
+                <c15:showLeaderLines val="1"/>
+                <c15:leaderLines>
+                  <c:spPr>
+                    <a:ln w="9525" cap="flat" cmpd="sng" algn="ctr">
+                      <a:solidFill>
+                        <a:schemeClr val="tx1">
+                          <a:lumMod val="35000"/>
+                          <a:lumOff val="65000"/>
+                        </a:schemeClr>
+                      </a:solidFill>
+                      <a:round/>
+                    </a:ln>
+                    <a:effectLst/>
+                  </c:spPr>
+                </c15:leaderLines>
+              </c:ext>
+            </c:extLst>
+          </c:dLbls>
+          <c:cat>
+            <c:multiLvlStrRef>
+              <c:f>Sheet1!$B$3:$C$12</c:f>
+              <c:multiLvlStrCache>
+                <c:ptCount val="10"/>
+                <c:lvl>
+                  <c:pt idx="0">
+                    <c:v>India</c:v>
+                  </c:pt>
+                  <c:pt idx="1">
+                    <c:v>United States</c:v>
+                  </c:pt>
+                  <c:pt idx="2">
+                    <c:v>Indonesia</c:v>
+                  </c:pt>
+                  <c:pt idx="3">
+                    <c:v>Brazil</c:v>
+                  </c:pt>
+                  <c:pt idx="4">
+                    <c:v>Philippines</c:v>
+                  </c:pt>
+                  <c:pt idx="5">
+                    <c:v>Vietnam</c:v>
+                  </c:pt>
+                  <c:pt idx="6">
+                    <c:v>Thailand</c:v>
+                  </c:pt>
+                  <c:pt idx="7">
+                    <c:v>Egypt</c:v>
+                  </c:pt>
+                  <c:pt idx="8">
+                    <c:v>Bangladesh</c:v>
+                  </c:pt>
+                  <c:pt idx="9">
+                    <c:v>Pakistan</c:v>
+                  </c:pt>
+                </c:lvl>
+                <c:lvl>
+                  <c:pt idx="0">
+                    <c:v>1</c:v>
+                  </c:pt>
+                  <c:pt idx="1">
+                    <c:v>2</c:v>
+                  </c:pt>
+                  <c:pt idx="2">
+                    <c:v>3</c:v>
+                  </c:pt>
+                  <c:pt idx="3">
+                    <c:v>4</c:v>
+                  </c:pt>
+                  <c:pt idx="4">
+                    <c:v>5</c:v>
+                  </c:pt>
+                  <c:pt idx="5">
+                    <c:v>6</c:v>
+                  </c:pt>
+                  <c:pt idx="6">
+                    <c:v>7</c:v>
+                  </c:pt>
+                  <c:pt idx="7">
+                    <c:v>8</c:v>
+                  </c:pt>
+                  <c:pt idx="8">
+                    <c:v>9</c:v>
+                  </c:pt>
+                  <c:pt idx="9">
+                    <c:v>10</c:v>
+                  </c:pt>
+                </c:lvl>
+              </c:multiLvlStrCache>
+            </c:multiLvlStrRef>
+          </c:cat>
+          <c:val>
+            <c:numRef>
+              <c:f>Sheet1!$D$3:$D$12</c:f>
+              <c:numCache>
+                <c:formatCode>General</c:formatCode>
+                <c:ptCount val="10"/>
+                <c:pt idx="0">
+                  <c:v>329.65</c:v>
+                </c:pt>
+                <c:pt idx="1">
+                  <c:v>179.65</c:v>
+                </c:pt>
+                <c:pt idx="2">
+                  <c:v>129.85</c:v>
+                </c:pt>
+                <c:pt idx="3">
+                  <c:v>116</c:v>
+                </c:pt>
+                <c:pt idx="4">
+                  <c:v>89.7</c:v>
+                </c:pt>
+                <c:pt idx="5">
+                  <c:v>70.400000000000006</c:v>
+                </c:pt>
+                <c:pt idx="6">
+                  <c:v>50.05</c:v>
+                </c:pt>
+                <c:pt idx="7">
+                  <c:v>44.7</c:v>
+                </c:pt>
+                <c:pt idx="8">
+                  <c:v>44.7</c:v>
+                </c:pt>
+                <c:pt idx="9">
+                  <c:v>43.55</c:v>
+                </c:pt>
+              </c:numCache>
+            </c:numRef>
+          </c:val>
+          <c:extLst>
+            <c:ext xmlns:c16="http://schemas.microsoft.com/office/drawing/2014/chart" uri="{C3380CC4-5D6E-409C-BE32-E72D297353CC}">
+              <c16:uniqueId val="{00000000-23D2-4596-9669-B2F862242D7A}"/>
+            </c:ext>
+          </c:extLst>
+        </c:ser>
+        <c:dLbls>
+          <c:dLblPos val="outEnd"/>
+          <c:showLegendKey val="0"/>
+          <c:showVal val="1"/>
+          <c:showCatName val="0"/>
+          <c:showSerName val="0"/>
+          <c:showPercent val="0"/>
+          <c:showBubbleSize val="0"/>
+        </c:dLbls>
+        <c:gapWidth val="182"/>
+        <c:axId val="557764896"/>
+        <c:axId val="557764240"/>
+      </c:barChart>
+      <c:catAx>
+        <c:axId val="557764896"/>
+        <c:scaling>
+          <c:orientation val="maxMin"/>
+        </c:scaling>
+        <c:delete val="0"/>
+        <c:axPos val="l"/>
+        <c:numFmt formatCode="General" sourceLinked="1"/>
+        <c:majorTickMark val="out"/>
+        <c:minorTickMark val="none"/>
+        <c:tickLblPos val="nextTo"/>
+        <c:spPr>
+          <a:noFill/>
+          <a:ln w="9525" cap="flat" cmpd="sng" algn="ctr">
+            <a:solidFill>
+              <a:schemeClr val="tx1">
+                <a:lumMod val="15000"/>
+                <a:lumOff val="85000"/>
+              </a:schemeClr>
+            </a:solidFill>
+            <a:round/>
+          </a:ln>
+          <a:effectLst/>
+        </c:spPr>
+        <c:txPr>
+          <a:bodyPr rot="-60000000" spcFirstLastPara="1" vertOverflow="ellipsis" vert="horz" wrap="square" anchor="ctr" anchorCtr="1"/>
+          <a:lstStyle/>
+          <a:p>
+            <a:pPr>
+              <a:defRPr sz="900" b="0" i="0" u="none" strike="noStrike" kern="1200" baseline="0">
+                <a:solidFill>
+                  <a:schemeClr val="tx1">
+                    <a:lumMod val="65000"/>
+                    <a:lumOff val="35000"/>
+                  </a:schemeClr>
+                </a:solidFill>
+                <a:latin typeface="+mn-lt"/>
+                <a:ea typeface="+mn-ea"/>
+                <a:cs typeface="+mn-cs"/>
+              </a:defRPr>
+            </a:pPr>
+            <a:endParaRPr lang="sk-SK"/>
+          </a:p>
+        </c:txPr>
+        <c:crossAx val="557764240"/>
+        <c:crosses val="autoZero"/>
+        <c:auto val="1"/>
+        <c:lblAlgn val="ctr"/>
+        <c:lblOffset val="100"/>
+        <c:noMultiLvlLbl val="0"/>
+      </c:catAx>
+      <c:valAx>
+        <c:axId val="557764240"/>
+        <c:scaling>
+          <c:orientation val="minMax"/>
+        </c:scaling>
+        <c:delete val="0"/>
+        <c:axPos val="b"/>
+        <c:majorGridlines>
+          <c:spPr>
+            <a:ln w="9525" cap="flat" cmpd="sng" algn="ctr">
+              <a:solidFill>
+                <a:schemeClr val="tx1">
+                  <a:lumMod val="15000"/>
+                  <a:lumOff val="85000"/>
+                </a:schemeClr>
+              </a:solidFill>
+              <a:round/>
+            </a:ln>
+            <a:effectLst/>
+          </c:spPr>
+        </c:majorGridlines>
+        <c:numFmt formatCode="General" sourceLinked="1"/>
+        <c:majorTickMark val="out"/>
+        <c:minorTickMark val="none"/>
+        <c:tickLblPos val="nextTo"/>
+        <c:spPr>
+          <a:noFill/>
+          <a:ln>
+            <a:noFill/>
+          </a:ln>
+          <a:effectLst/>
+        </c:spPr>
+        <c:txPr>
+          <a:bodyPr rot="-60000000" spcFirstLastPara="1" vertOverflow="ellipsis" vert="horz" wrap="square" anchor="ctr" anchorCtr="1"/>
+          <a:lstStyle/>
+          <a:p>
+            <a:pPr>
+              <a:defRPr sz="900" b="0" i="0" u="none" strike="noStrike" kern="1200" baseline="0">
+                <a:solidFill>
+                  <a:schemeClr val="tx1">
+                    <a:lumMod val="65000"/>
+                    <a:lumOff val="35000"/>
+                  </a:schemeClr>
+                </a:solidFill>
+                <a:latin typeface="+mn-lt"/>
+                <a:ea typeface="+mn-ea"/>
+                <a:cs typeface="+mn-cs"/>
+              </a:defRPr>
+            </a:pPr>
+            <a:endParaRPr lang="sk-SK"/>
+          </a:p>
+        </c:txPr>
+        <c:crossAx val="557764896"/>
+        <c:crosses val="max"/>
+        <c:crossBetween val="between"/>
+      </c:valAx>
+      <c:spPr>
+        <a:noFill/>
+        <a:ln>
+          <a:noFill/>
+        </a:ln>
+        <a:effectLst/>
+      </c:spPr>
+    </c:plotArea>
+    <c:plotVisOnly val="1"/>
+    <c:dispBlanksAs val="gap"/>
+    <c:extLst>
+      <c:ext xmlns:c16r3="http://schemas.microsoft.com/office/drawing/2017/03/chart" uri="{56B9EC1D-385E-4148-901F-78D8002777C0}">
+        <c16r3:dataDisplayOptions16>
+          <c16r3:dispNaAsBlank val="1"/>
+        </c16r3:dataDisplayOptions16>
+      </c:ext>
+    </c:extLst>
+    <c:showDLblsOverMax val="0"/>
+  </c:chart>
+  <c:spPr>
+    <a:noFill/>
+    <a:ln>
+      <a:solidFill>
+        <a:schemeClr val="tx1">
+          <a:lumMod val="75000"/>
+          <a:lumOff val="25000"/>
+        </a:schemeClr>
+      </a:solidFill>
+    </a:ln>
+    <a:effectLst/>
+  </c:spPr>
+  <c:txPr>
+    <a:bodyPr/>
+    <a:lstStyle/>
+    <a:p>
+      <a:pPr>
+        <a:defRPr/>
+      </a:pPr>
+      <a:endParaRPr lang="sk-SK"/>
+    </a:p>
+  </c:txPr>
+  <c:externalData r:id="rId3">
+    <c:autoUpdate val="0"/>
+  </c:externalData>
+</c:chartSpace>
+</file>
+
+<file path=ppt/charts/colors1.xml><?xml version="1.0" encoding="utf-8"?>
+<cs:colorStyle xmlns:cs="http://schemas.microsoft.com/office/drawing/2012/chartStyle" xmlns:a="http://schemas.openxmlformats.org/drawingml/2006/main" meth="cycle" id="10">
+  <a:schemeClr val="accent1"/>
+  <a:schemeClr val="accent2"/>
+  <a:schemeClr val="accent3"/>
+  <a:schemeClr val="accent4"/>
+  <a:schemeClr val="accent5"/>
+  <a:schemeClr val="accent6"/>
+  <cs:variation/>
+  <cs:variation>
+    <a:lumMod val="60000"/>
+  </cs:variation>
+  <cs:variation>
+    <a:lumMod val="80000"/>
+    <a:lumOff val="20000"/>
+  </cs:variation>
+  <cs:variation>
+    <a:lumMod val="80000"/>
+  </cs:variation>
+  <cs:variation>
+    <a:lumMod val="60000"/>
+    <a:lumOff val="40000"/>
+  </cs:variation>
+  <cs:variation>
+    <a:lumMod val="50000"/>
+  </cs:variation>
+  <cs:variation>
+    <a:lumMod val="70000"/>
+    <a:lumOff val="30000"/>
+  </cs:variation>
+  <cs:variation>
+    <a:lumMod val="70000"/>
+  </cs:variation>
+  <cs:variation>
+    <a:lumMod val="50000"/>
+    <a:lumOff val="50000"/>
+  </cs:variation>
+</cs:colorStyle>
+</file>
+
+<file path=ppt/charts/style1.xml><?xml version="1.0" encoding="utf-8"?>
+<cs:chartStyle xmlns:cs="http://schemas.microsoft.com/office/drawing/2012/chartStyle" xmlns:a="http://schemas.openxmlformats.org/drawingml/2006/main" id="216">
+  <cs:axisTitle>
+    <cs:lnRef idx="0"/>
+    <cs:fillRef idx="0"/>
+    <cs:effectRef idx="0"/>
+    <cs:fontRef idx="minor">
+      <a:schemeClr val="tx1">
+        <a:lumMod val="65000"/>
+        <a:lumOff val="35000"/>
+      </a:schemeClr>
+    </cs:fontRef>
+    <cs:defRPr sz="1000" kern="1200"/>
+  </cs:axisTitle>
+  <cs:categoryAxis>
+    <cs:lnRef idx="0"/>
+    <cs:fillRef idx="0"/>
+    <cs:effectRef idx="0"/>
+    <cs:fontRef idx="minor">
+      <a:schemeClr val="tx1">
+        <a:lumMod val="65000"/>
+        <a:lumOff val="35000"/>
+      </a:schemeClr>
+    </cs:fontRef>
+    <cs:spPr>
+      <a:ln w="9525" cap="flat" cmpd="sng" algn="ctr">
+        <a:solidFill>
+          <a:schemeClr val="tx1">
+            <a:lumMod val="15000"/>
+            <a:lumOff val="85000"/>
+          </a:schemeClr>
+        </a:solidFill>
+        <a:round/>
+      </a:ln>
+    </cs:spPr>
+    <cs:defRPr sz="900" kern="1200"/>
+  </cs:categoryAxis>
+  <cs:chartArea mods="allowNoFillOverride allowNoLineOverride">
+    <cs:lnRef idx="0"/>
+    <cs:fillRef idx="0"/>
+    <cs:effectRef idx="0"/>
+    <cs:fontRef idx="minor">
+      <a:schemeClr val="tx1"/>
+    </cs:fontRef>
+    <cs:spPr>
+      <a:solidFill>
+        <a:schemeClr val="bg1"/>
+      </a:solidFill>
+      <a:ln w="9525" cap="flat" cmpd="sng" algn="ctr">
+        <a:solidFill>
+          <a:schemeClr val="tx1">
+            <a:lumMod val="15000"/>
+            <a:lumOff val="85000"/>
+          </a:schemeClr>
+        </a:solidFill>
+        <a:round/>
+      </a:ln>
+    </cs:spPr>
+    <cs:defRPr sz="1000" kern="1200"/>
+  </cs:chartArea>
+  <cs:dataLabel>
+    <cs:lnRef idx="0"/>
+    <cs:fillRef idx="0"/>
+    <cs:effectRef idx="0"/>
+    <cs:fontRef idx="minor">
+      <a:schemeClr val="tx1">
+        <a:lumMod val="75000"/>
+        <a:lumOff val="25000"/>
+      </a:schemeClr>
+    </cs:fontRef>
+    <cs:defRPr sz="900" kern="1200"/>
+  </cs:dataLabel>
+  <cs:dataLabelCallout>
+    <cs:lnRef idx="0"/>
+    <cs:fillRef idx="0"/>
+    <cs:effectRef idx="0"/>
+    <cs:fontRef idx="minor">
+      <a:schemeClr val="dk1">
+        <a:lumMod val="65000"/>
+        <a:lumOff val="35000"/>
+      </a:schemeClr>
+    </cs:fontRef>
+    <cs:spPr>
+      <a:solidFill>
+        <a:schemeClr val="lt1"/>
+      </a:solidFill>
+      <a:ln>
+        <a:solidFill>
+          <a:schemeClr val="dk1">
+            <a:lumMod val="25000"/>
+            <a:lumOff val="75000"/>
+          </a:schemeClr>
+        </a:solidFill>
+      </a:ln>
+    </cs:spPr>
+    <cs:defRPr sz="900" kern="1200"/>
+    <cs:bodyPr rot="0" spcFirstLastPara="1" vertOverflow="clip" horzOverflow="clip" vert="horz" wrap="square" lIns="36576" tIns="18288" rIns="36576" bIns="18288" anchor="ctr" anchorCtr="1">
+      <a:spAutoFit/>
+    </cs:bodyPr>
+  </cs:dataLabelCallout>
+  <cs:dataPoint>
+    <cs:lnRef idx="0"/>
+    <cs:fillRef idx="1">
+      <cs:styleClr val="auto"/>
+    </cs:fillRef>
+    <cs:effectRef idx="0"/>
+    <cs:fontRef idx="minor">
+      <a:schemeClr val="tx1"/>
+    </cs:fontRef>
+  </cs:dataPoint>
+  <cs:dataPoint3D>
+    <cs:lnRef idx="0"/>
+    <cs:fillRef idx="1">
+      <cs:styleClr val="auto"/>
+    </cs:fillRef>
+    <cs:effectRef idx="0"/>
+    <cs:fontRef idx="minor">
+      <a:schemeClr val="tx1"/>
+    </cs:fontRef>
+  </cs:dataPoint3D>
+  <cs:dataPointLine>
+    <cs:lnRef idx="0">
+      <cs:styleClr val="auto"/>
+    </cs:lnRef>
+    <cs:fillRef idx="1"/>
+    <cs:effectRef idx="0"/>
+    <cs:fontRef idx="minor">
+      <a:schemeClr val="tx1"/>
+    </cs:fontRef>
+    <cs:spPr>
+      <a:ln w="28575" cap="rnd">
+        <a:solidFill>
+          <a:schemeClr val="phClr"/>
+        </a:solidFill>
+        <a:round/>
+      </a:ln>
+    </cs:spPr>
+  </cs:dataPointLine>
+  <cs:dataPointMarker>
+    <cs:lnRef idx="0">
+      <cs:styleClr val="auto"/>
+    </cs:lnRef>
+    <cs:fillRef idx="1">
+      <cs:styleClr val="auto"/>
+    </cs:fillRef>
+    <cs:effectRef idx="0"/>
+    <cs:fontRef idx="minor">
+      <a:schemeClr val="tx1"/>
+    </cs:fontRef>
+    <cs:spPr>
+      <a:ln w="9525">
+        <a:solidFill>
+          <a:schemeClr val="phClr"/>
+        </a:solidFill>
+      </a:ln>
+    </cs:spPr>
+  </cs:dataPointMarker>
+  <cs:dataPointMarkerLayout symbol="circle" size="5"/>
+  <cs:dataPointWireframe>
+    <cs:lnRef idx="0">
+      <cs:styleClr val="auto"/>
+    </cs:lnRef>
+    <cs:fillRef idx="1"/>
+    <cs:effectRef idx="0"/>
+    <cs:fontRef idx="minor">
+      <a:schemeClr val="tx1"/>
+    </cs:fontRef>
+    <cs:spPr>
+      <a:ln w="9525" cap="rnd">
+        <a:solidFill>
+          <a:schemeClr val="phClr"/>
+        </a:solidFill>
+        <a:round/>
+      </a:ln>
+    </cs:spPr>
+  </cs:dataPointWireframe>
+  <cs:dataTable>
+    <cs:lnRef idx="0"/>
+    <cs:fillRef idx="0"/>
+    <cs:effectRef idx="0"/>
+    <cs:fontRef idx="minor">
+      <a:schemeClr val="tx1">
+        <a:lumMod val="65000"/>
+        <a:lumOff val="35000"/>
+      </a:schemeClr>
+    </cs:fontRef>
+    <cs:spPr>
+      <a:noFill/>
+      <a:ln w="9525" cap="flat" cmpd="sng" algn="ctr">
+        <a:solidFill>
+          <a:schemeClr val="tx1">
+            <a:lumMod val="15000"/>
+            <a:lumOff val="85000"/>
+          </a:schemeClr>
+        </a:solidFill>
+        <a:round/>
+      </a:ln>
+    </cs:spPr>
+    <cs:defRPr sz="900" kern="1200"/>
+  </cs:dataTable>
+  <cs:downBar>
+    <cs:lnRef idx="0"/>
+    <cs:fillRef idx="0"/>
+    <cs:effectRef idx="0"/>
+    <cs:fontRef idx="minor">
+      <a:schemeClr val="tx1"/>
+    </cs:fontRef>
+    <cs:spPr>
+      <a:solidFill>
+        <a:schemeClr val="dk1">
+          <a:lumMod val="75000"/>
+          <a:lumOff val="25000"/>
+        </a:schemeClr>
+      </a:solidFill>
+      <a:ln w="9525" cap="flat" cmpd="sng" algn="ctr">
+        <a:solidFill>
+          <a:schemeClr val="tx1">
+            <a:lumMod val="65000"/>
+            <a:lumOff val="35000"/>
+          </a:schemeClr>
+        </a:solidFill>
+        <a:round/>
+      </a:ln>
+    </cs:spPr>
+  </cs:downBar>
+  <cs:dropLine>
+    <cs:lnRef idx="0"/>
+    <cs:fillRef idx="0"/>
+    <cs:effectRef idx="0"/>
+    <cs:fontRef idx="minor">
+      <a:schemeClr val="tx1"/>
+    </cs:fontRef>
+    <cs:spPr>
+      <a:ln w="9525" cap="flat" cmpd="sng" algn="ctr">
+        <a:solidFill>
+          <a:schemeClr val="tx1">
+            <a:lumMod val="35000"/>
+            <a:lumOff val="65000"/>
+          </a:schemeClr>
+        </a:solidFill>
+        <a:round/>
+      </a:ln>
+    </cs:spPr>
+  </cs:dropLine>
+  <cs:errorBar>
+    <cs:lnRef idx="0"/>
+    <cs:fillRef idx="0"/>
+    <cs:effectRef idx="0"/>
+    <cs:fontRef idx="minor">
+      <a:schemeClr val="tx1"/>
+    </cs:fontRef>
+    <cs:spPr>
+      <a:ln w="9525" cap="flat" cmpd="sng" algn="ctr">
+        <a:solidFill>
+          <a:schemeClr val="tx1">
+            <a:lumMod val="65000"/>
+            <a:lumOff val="35000"/>
+          </a:schemeClr>
+        </a:solidFill>
+        <a:round/>
+      </a:ln>
+    </cs:spPr>
+  </cs:errorBar>
+  <cs:floor>
+    <cs:lnRef idx="0"/>
+    <cs:fillRef idx="0"/>
+    <cs:effectRef idx="0"/>
+    <cs:fontRef idx="minor">
+      <a:schemeClr val="tx1"/>
+    </cs:fontRef>
+    <cs:spPr>
+      <a:noFill/>
+      <a:ln>
+        <a:noFill/>
+      </a:ln>
+    </cs:spPr>
+  </cs:floor>
+  <cs:gridlineMajor>
+    <cs:lnRef idx="0"/>
+    <cs:fillRef idx="0"/>
+    <cs:effectRef idx="0"/>
+    <cs:fontRef idx="minor">
+      <a:schemeClr val="tx1"/>
+    </cs:fontRef>
+    <cs:spPr>
+      <a:ln w="9525" cap="flat" cmpd="sng" algn="ctr">
+        <a:solidFill>
+          <a:schemeClr val="tx1">
+            <a:lumMod val="15000"/>
+            <a:lumOff val="85000"/>
+          </a:schemeClr>
+        </a:solidFill>
+        <a:round/>
+      </a:ln>
+    </cs:spPr>
+  </cs:gridlineMajor>
+  <cs:gridlineMinor>
+    <cs:lnRef idx="0"/>
+    <cs:fillRef idx="0"/>
+    <cs:effectRef idx="0"/>
+    <cs:fontRef idx="minor">
+      <a:schemeClr val="tx1"/>
+    </cs:fontRef>
+    <cs:spPr>
+      <a:ln w="9525" cap="flat" cmpd="sng" algn="ctr">
+        <a:solidFill>
+          <a:schemeClr val="tx1">
+            <a:lumMod val="5000"/>
+            <a:lumOff val="95000"/>
+          </a:schemeClr>
+        </a:solidFill>
+        <a:round/>
+      </a:ln>
+    </cs:spPr>
+  </cs:gridlineMinor>
+  <cs:hiLoLine>
+    <cs:lnRef idx="0"/>
+    <cs:fillRef idx="0"/>
+    <cs:effectRef idx="0"/>
+    <cs:fontRef idx="minor">
+      <a:schemeClr val="tx1"/>
+    </cs:fontRef>
+    <cs:spPr>
+      <a:ln w="9525" cap="flat" cmpd="sng" algn="ctr">
+        <a:solidFill>
+          <a:schemeClr val="tx1">
+            <a:lumMod val="50000"/>
+            <a:lumOff val="50000"/>
+          </a:schemeClr>
+        </a:solidFill>
+        <a:round/>
+      </a:ln>
+    </cs:spPr>
+  </cs:hiLoLine>
+  <cs:leaderLine>
+    <cs:lnRef idx="0"/>
+    <cs:fillRef idx="0"/>
+    <cs:effectRef idx="0"/>
+    <cs:fontRef idx="minor">
+      <a:schemeClr val="tx1"/>
+    </cs:fontRef>
+    <cs:spPr>
+      <a:ln w="9525" cap="flat" cmpd="sng" algn="ctr">
+        <a:solidFill>
+          <a:schemeClr val="tx1">
+            <a:lumMod val="35000"/>
+            <a:lumOff val="65000"/>
+          </a:schemeClr>
+        </a:solidFill>
+        <a:round/>
+      </a:ln>
+    </cs:spPr>
+  </cs:leaderLine>
+  <cs:legend>
+    <cs:lnRef idx="0"/>
+    <cs:fillRef idx="0"/>
+    <cs:effectRef idx="0"/>
+    <cs:fontRef idx="minor">
+      <a:schemeClr val="tx1">
+        <a:lumMod val="65000"/>
+        <a:lumOff val="35000"/>
+      </a:schemeClr>
+    </cs:fontRef>
+    <cs:defRPr sz="900" kern="1200"/>
+  </cs:legend>
+  <cs:plotArea mods="allowNoFillOverride allowNoLineOverride">
+    <cs:lnRef idx="0"/>
+    <cs:fillRef idx="0"/>
+    <cs:effectRef idx="0"/>
+    <cs:fontRef idx="minor">
+      <a:schemeClr val="tx1"/>
+    </cs:fontRef>
+  </cs:plotArea>
+  <cs:plotArea3D mods="allowNoFillOverride allowNoLineOverride">
+    <cs:lnRef idx="0"/>
+    <cs:fillRef idx="0"/>
+    <cs:effectRef idx="0"/>
+    <cs:fontRef idx="minor">
+      <a:schemeClr val="tx1"/>
+    </cs:fontRef>
+  </cs:plotArea3D>
+  <cs:seriesAxis>
+    <cs:lnRef idx="0"/>
+    <cs:fillRef idx="0"/>
+    <cs:effectRef idx="0"/>
+    <cs:fontRef idx="minor">
+      <a:schemeClr val="tx1">
+        <a:lumMod val="65000"/>
+        <a:lumOff val="35000"/>
+      </a:schemeClr>
+    </cs:fontRef>
+    <cs:defRPr sz="900" kern="1200"/>
+  </cs:seriesAxis>
+  <cs:seriesLine>
+    <cs:lnRef idx="0"/>
+    <cs:fillRef idx="0"/>
+    <cs:effectRef idx="0"/>
+    <cs:fontRef idx="minor">
+      <a:schemeClr val="tx1"/>
+    </cs:fontRef>
+    <cs:spPr>
+      <a:ln w="9525" cap="flat" cmpd="sng" algn="ctr">
+        <a:solidFill>
+          <a:schemeClr val="tx1">
+            <a:lumMod val="35000"/>
+            <a:lumOff val="65000"/>
+          </a:schemeClr>
+        </a:solidFill>
+        <a:round/>
+      </a:ln>
+    </cs:spPr>
+  </cs:seriesLine>
+  <cs:title>
+    <cs:lnRef idx="0"/>
+    <cs:fillRef idx="0"/>
+    <cs:effectRef idx="0"/>
+    <cs:fontRef idx="minor">
+      <a:schemeClr val="tx1">
+        <a:lumMod val="65000"/>
+        <a:lumOff val="35000"/>
+      </a:schemeClr>
+    </cs:fontRef>
+    <cs:defRPr sz="1400" b="0" kern="1200" spc="0" baseline="0"/>
+  </cs:title>
+  <cs:trendline>
+    <cs:lnRef idx="0">
+      <cs:styleClr val="auto"/>
+    </cs:lnRef>
+    <cs:fillRef idx="0"/>
+    <cs:effectRef idx="0"/>
+    <cs:fontRef idx="minor">
+      <a:schemeClr val="tx1"/>
+    </cs:fontRef>
+    <cs:spPr>
+      <a:ln w="19050" cap="rnd">
+        <a:solidFill>
+          <a:schemeClr val="phClr"/>
+        </a:solidFill>
+        <a:prstDash val="sysDot"/>
+      </a:ln>
+    </cs:spPr>
+  </cs:trendline>
+  <cs:trendlineLabel>
+    <cs:lnRef idx="0"/>
+    <cs:fillRef idx="0"/>
+    <cs:effectRef idx="0"/>
+    <cs:fontRef idx="minor">
+      <a:schemeClr val="tx1">
+        <a:lumMod val="65000"/>
+        <a:lumOff val="35000"/>
+      </a:schemeClr>
+    </cs:fontRef>
+    <cs:defRPr sz="900" kern="1200"/>
+  </cs:trendlineLabel>
+  <cs:upBar>
+    <cs:lnRef idx="0"/>
+    <cs:fillRef idx="0"/>
+    <cs:effectRef idx="0"/>
+    <cs:fontRef idx="minor">
+      <a:schemeClr val="tx1"/>
+    </cs:fontRef>
+    <cs:spPr>
+      <a:solidFill>
+        <a:schemeClr val="lt1"/>
+      </a:solidFill>
+      <a:ln w="9525" cap="flat" cmpd="sng" algn="ctr">
+        <a:solidFill>
+          <a:schemeClr val="tx1">
+            <a:lumMod val="65000"/>
+            <a:lumOff val="35000"/>
+          </a:schemeClr>
+        </a:solidFill>
+        <a:round/>
+      </a:ln>
+    </cs:spPr>
+  </cs:upBar>
+  <cs:valueAxis>
+    <cs:lnRef idx="0"/>
+    <cs:fillRef idx="0"/>
+    <cs:effectRef idx="0"/>
+    <cs:fontRef idx="minor">
+      <a:schemeClr val="tx1">
+        <a:lumMod val="65000"/>
+        <a:lumOff val="35000"/>
+      </a:schemeClr>
+    </cs:fontRef>
+    <cs:defRPr sz="900" kern="1200"/>
+  </cs:valueAxis>
+  <cs:wall>
+    <cs:lnRef idx="0"/>
+    <cs:fillRef idx="0"/>
+    <cs:effectRef idx="0"/>
+    <cs:fontRef idx="minor">
+      <a:schemeClr val="tx1"/>
+    </cs:fontRef>
+    <cs:spPr>
+      <a:noFill/>
+      <a:ln>
+        <a:noFill/>
+      </a:ln>
+    </cs:spPr>
+  </cs:wall>
+</cs:chartStyle>
 </file>
 
 <file path=ppt/handoutMasters/handoutMaster1.xml><?xml version="1.0" encoding="utf-8"?>
@@ -5252,6 +6224,36 @@
           </a:p>
         </p:txBody>
       </p:sp>
+      <p:graphicFrame>
+        <p:nvGraphicFramePr>
+          <p:cNvPr id="6" name="Chart 1">
+            <a:extLst>
+              <a:ext uri="{FF2B5EF4-FFF2-40B4-BE49-F238E27FC236}">
+                <a16:creationId xmlns:a16="http://schemas.microsoft.com/office/drawing/2014/main" id="{C5B96CC9-F0C0-F297-AA62-A14C8BD6983B}"/>
+              </a:ext>
+            </a:extLst>
+          </p:cNvPr>
+          <p:cNvGraphicFramePr>
+            <a:graphicFrameLocks/>
+          </p:cNvGraphicFramePr>
+          <p:nvPr>
+            <p:extLst>
+              <p:ext uri="{D42A27DB-BD31-4B8C-83A1-F6EECF244321}">
+                <p14:modId xmlns:p14="http://schemas.microsoft.com/office/powerpoint/2010/main" val="2629222540"/>
+              </p:ext>
+            </p:extLst>
+          </p:nvPr>
+        </p:nvGraphicFramePr>
+        <p:xfrm>
+          <a:off x="3089050" y="1349959"/>
+          <a:ext cx="6166299" cy="4158082"/>
+        </p:xfrm>
+        <a:graphic>
+          <a:graphicData uri="http://schemas.openxmlformats.org/drawingml/2006/chart">
+            <c:chart xmlns:c="http://schemas.openxmlformats.org/drawingml/2006/chart" xmlns:r="http://schemas.openxmlformats.org/officeDocument/2006/relationships" r:id="rId2"/>
+          </a:graphicData>
+        </a:graphic>
+      </p:graphicFrame>
     </p:spTree>
     <p:extLst>
       <p:ext uri="{BB962C8B-B14F-4D97-AF65-F5344CB8AC3E}">

--- a/cvicenie_7/Lepsi_a_zdravsi_zivotný_stýl_vdaka_gamifikacii_Loch_121197.pptx
+++ b/cvicenie_7/Lepsi_a_zdravsi_zivotný_stýl_vdaka_gamifikacii_Loch_121197.pptx
@@ -5630,7 +5630,7 @@
         </p:nvSpPr>
         <p:spPr>
           <a:xfrm>
-            <a:off x="1915127" y="2401171"/>
+            <a:off x="1915385" y="2917748"/>
             <a:ext cx="8361229" cy="2098226"/>
           </a:xfrm>
         </p:spPr>
@@ -5647,36 +5647,6 @@
               <a:t>gamifikácií</a:t>
             </a:r>
             <a:endParaRPr lang="sk-SK" dirty="0"/>
-          </a:p>
-        </p:txBody>
-      </p:sp>
-      <p:sp>
-        <p:nvSpPr>
-          <p:cNvPr id="3" name="Podnadpis 2">
-            <a:extLst>
-              <a:ext uri="{FF2B5EF4-FFF2-40B4-BE49-F238E27FC236}">
-                <a16:creationId xmlns:a16="http://schemas.microsoft.com/office/drawing/2014/main" id="{581DDCFF-D204-0915-9437-218926DD66FD}"/>
-              </a:ext>
-            </a:extLst>
-          </p:cNvPr>
-          <p:cNvSpPr>
-            <a:spLocks noGrp="1"/>
-          </p:cNvSpPr>
-          <p:nvPr>
-            <p:ph type="subTitle" idx="1"/>
-          </p:nvPr>
-        </p:nvSpPr>
-        <p:spPr>
-          <a:xfrm>
-            <a:off x="2324306" y="4794479"/>
-            <a:ext cx="6831673" cy="1086237"/>
-          </a:xfrm>
-        </p:spPr>
-        <p:txBody>
-          <a:bodyPr/>
-          <a:lstStyle/>
-          <a:p>
-            <a:endParaRPr lang="sk-SK"/>
           </a:p>
         </p:txBody>
       </p:sp>
@@ -6017,69 +5987,36 @@
           </a:p>
         </p:txBody>
       </p:sp>
-      <p:graphicFrame>
-        <p:nvGraphicFramePr>
-          <p:cNvPr id="8" name="Objekt 7">
+      <p:pic>
+        <p:nvPicPr>
+          <p:cNvPr id="7" name="Obrázok 6">
             <a:extLst>
               <a:ext uri="{FF2B5EF4-FFF2-40B4-BE49-F238E27FC236}">
-                <a16:creationId xmlns:a16="http://schemas.microsoft.com/office/drawing/2014/main" id="{6EB961BE-5EB4-5A09-2C75-A3D0FF58BEB1}"/>
+                <a16:creationId xmlns:a16="http://schemas.microsoft.com/office/drawing/2014/main" id="{D9835C64-67B8-B3D6-7DCB-42101E76B9B3}"/>
               </a:ext>
             </a:extLst>
           </p:cNvPr>
-          <p:cNvGraphicFramePr>
-            <a:graphicFrameLocks noChangeAspect="1"/>
-          </p:cNvGraphicFramePr>
-          <p:nvPr>
-            <p:extLst>
-              <p:ext uri="{D42A27DB-BD31-4B8C-83A1-F6EECF244321}">
-                <p14:modId xmlns:p14="http://schemas.microsoft.com/office/powerpoint/2010/main" val="2139290172"/>
-              </p:ext>
-            </p:extLst>
-          </p:nvPr>
-        </p:nvGraphicFramePr>
-        <p:xfrm>
-          <a:off x="1704736" y="2020289"/>
-          <a:ext cx="4988950" cy="3230322"/>
-        </p:xfrm>
-        <a:graphic>
-          <a:graphicData uri="http://schemas.openxmlformats.org/presentationml/2006/ole">
-            <mc:AlternateContent xmlns:mc="http://schemas.openxmlformats.org/markup-compatibility/2006">
-              <mc:Choice xmlns:v="urn:schemas-microsoft-com:vml" Requires="v">
-                <p:oleObj name="Worksheet" r:id="rId2" imgW="3422634" imgH="2216277" progId="Excel.Sheet.12">
-                  <p:embed/>
-                </p:oleObj>
-              </mc:Choice>
-              <mc:Fallback>
-                <p:oleObj name="Worksheet" r:id="rId2" imgW="3422634" imgH="2216277" progId="Excel.Sheet.12">
-                  <p:embed/>
-                  <p:pic>
-                    <p:nvPicPr>
-                      <p:cNvPr id="0" name=""/>
-                      <p:cNvPicPr/>
-                      <p:nvPr/>
-                    </p:nvPicPr>
-                    <p:blipFill>
-                      <a:blip r:embed="rId3"/>
-                      <a:stretch>
-                        <a:fillRect/>
-                      </a:stretch>
-                    </p:blipFill>
-                    <p:spPr>
-                      <a:xfrm>
-                        <a:off x="1704736" y="2020289"/>
-                        <a:ext cx="4988950" cy="3230322"/>
-                      </a:xfrm>
-                      <a:prstGeom prst="rect">
-                        <a:avLst/>
-                      </a:prstGeom>
-                    </p:spPr>
-                  </p:pic>
-                </p:oleObj>
-              </mc:Fallback>
-            </mc:AlternateContent>
-          </a:graphicData>
-        </a:graphic>
-      </p:graphicFrame>
+          <p:cNvPicPr>
+            <a:picLocks noChangeAspect="1"/>
+          </p:cNvPicPr>
+          <p:nvPr/>
+        </p:nvPicPr>
+        <p:blipFill>
+          <a:blip r:embed="rId2"/>
+          <a:stretch>
+            <a:fillRect/>
+          </a:stretch>
+        </p:blipFill>
+        <p:spPr>
+          <a:xfrm>
+            <a:off x="1874210" y="1428750"/>
+            <a:ext cx="7598526" cy="4659828"/>
+          </a:xfrm>
+          <a:prstGeom prst="rect">
+            <a:avLst/>
+          </a:prstGeom>
+        </p:spPr>
+      </p:pic>
     </p:spTree>
     <p:extLst>
       <p:ext uri="{BB962C8B-B14F-4D97-AF65-F5344CB8AC3E}">

--- a/cvicenie_7/Lepsi_a_zdravsi_zivotný_stýl_vdaka_gamifikacii_Loch_121197.pptx
+++ b/cvicenie_7/Lepsi_a_zdravsi_zivotný_stýl_vdaka_gamifikacii_Loch_121197.pptx
@@ -5210,6 +5210,47 @@
             <a:schemeClr val="lt1"/>
           </a:fontRef>
         </p:style>
+      </p:sp>
+      <p:sp>
+        <p:nvSpPr>
+          <p:cNvPr id="7" name="BlokTextu 6">
+            <a:extLst>
+              <a:ext uri="{FF2B5EF4-FFF2-40B4-BE49-F238E27FC236}">
+                <a16:creationId xmlns:a16="http://schemas.microsoft.com/office/drawing/2014/main" id="{2B46E58E-AF7B-D46C-7B6A-9AC7D3D9EA5D}"/>
+              </a:ext>
+            </a:extLst>
+          </p:cNvPr>
+          <p:cNvSpPr txBox="1"/>
+          <p:nvPr userDrawn="1"/>
+        </p:nvSpPr>
+        <p:spPr>
+          <a:xfrm>
+            <a:off x="2957146" y="166668"/>
+            <a:ext cx="6277708" cy="261610"/>
+          </a:xfrm>
+          <a:prstGeom prst="rect">
+            <a:avLst/>
+          </a:prstGeom>
+          <a:noFill/>
+        </p:spPr>
+        <p:txBody>
+          <a:bodyPr wrap="square" rtlCol="0">
+            <a:spAutoFit/>
+          </a:bodyPr>
+          <a:lstStyle/>
+          <a:p>
+            <a:pPr algn="ctr"/>
+            <a:r>
+              <a:rPr lang="sk-SK" sz="1100" dirty="0"/>
+              <a:t>Zdravší životný štýl vďaka </a:t>
+            </a:r>
+            <a:r>
+              <a:rPr lang="sk-SK" sz="1100" dirty="0" err="1"/>
+              <a:t>gamifikácií</a:t>
+            </a:r>
+            <a:endParaRPr lang="sk-SK" sz="1100" dirty="0"/>
+          </a:p>
+        </p:txBody>
       </p:sp>
     </p:spTree>
     <p:extLst>
